--- a/Final Capstone/Is climate change a myth.pptx
+++ b/Final Capstone/Is climate change a myth.pptx
@@ -261,7 +261,7 @@
           <a:p>
             <a:fld id="{2D618D67-214F-437D-A014-EC8BC6E0C3A0}" type="datetimeFigureOut">
               <a:rPr lang="en-US" smtClean="0"/>
-              <a:t>11/2/2019</a:t>
+              <a:t>11/8/2019</a:t>
             </a:fld>
             <a:endParaRPr lang="en-US"/>
           </a:p>
@@ -1259,7 +1259,7 @@
           <a:noFill/>
           <a:extLst>
             <a:ext uri="{909E8E84-426E-40dd-AFC4-6F175D3DCCD1}">
-              <a14:hiddenFill xmlns:a14="http://schemas.microsoft.com/office/drawing/2010/main" xmlns="">
+              <a14:hiddenFill xmlns="" xmlns:a14="http://schemas.microsoft.com/office/drawing/2010/main">
                 <a:solidFill>
                   <a:srgbClr val="FFFFFF"/>
                 </a:solidFill>
@@ -1319,7 +1319,7 @@
             </a:ln>
             <a:extLst>
               <a:ext uri="{91240B29-F687-4f45-9708-019B960494DF}">
-                <a14:hiddenLine xmlns:a14="http://schemas.microsoft.com/office/drawing/2010/main" xmlns="" w="9525">
+                <a14:hiddenLine xmlns="" xmlns:a14="http://schemas.microsoft.com/office/drawing/2010/main" w="9525">
                   <a:solidFill>
                     <a:srgbClr val="000000"/>
                   </a:solidFill>
@@ -1409,7 +1409,7 @@
             </a:ln>
             <a:extLst>
               <a:ext uri="{91240B29-F687-4f45-9708-019B960494DF}">
-                <a14:hiddenLine xmlns:a14="http://schemas.microsoft.com/office/drawing/2010/main" xmlns="" w="9525">
+                <a14:hiddenLine xmlns="" xmlns:a14="http://schemas.microsoft.com/office/drawing/2010/main" w="9525">
                   <a:solidFill>
                     <a:srgbClr val="000000"/>
                   </a:solidFill>
@@ -1499,7 +1499,7 @@
             </a:ln>
             <a:extLst>
               <a:ext uri="{91240B29-F687-4f45-9708-019B960494DF}">
-                <a14:hiddenLine xmlns:a14="http://schemas.microsoft.com/office/drawing/2010/main" xmlns="" w="9525">
+                <a14:hiddenLine xmlns="" xmlns:a14="http://schemas.microsoft.com/office/drawing/2010/main" w="9525">
                   <a:solidFill>
                     <a:srgbClr val="000000"/>
                   </a:solidFill>
@@ -1533,7 +1533,7 @@
             </a:ln>
             <a:extLst>
               <a:ext uri="{91240B29-F687-4f45-9708-019B960494DF}">
-                <a14:hiddenLine xmlns:a14="http://schemas.microsoft.com/office/drawing/2010/main" xmlns="" w="9525">
+                <a14:hiddenLine xmlns="" xmlns:a14="http://schemas.microsoft.com/office/drawing/2010/main" w="9525">
                   <a:solidFill>
                     <a:srgbClr val="000000"/>
                   </a:solidFill>
@@ -1623,7 +1623,7 @@
             </a:ln>
             <a:extLst>
               <a:ext uri="{91240B29-F687-4f45-9708-019B960494DF}">
-                <a14:hiddenLine xmlns:a14="http://schemas.microsoft.com/office/drawing/2010/main" xmlns="" w="9525">
+                <a14:hiddenLine xmlns="" xmlns:a14="http://schemas.microsoft.com/office/drawing/2010/main" w="9525">
                   <a:solidFill>
                     <a:srgbClr val="000000"/>
                   </a:solidFill>
@@ -1685,7 +1685,7 @@
             </a:ln>
             <a:extLst>
               <a:ext uri="{91240B29-F687-4f45-9708-019B960494DF}">
-                <a14:hiddenLine xmlns:a14="http://schemas.microsoft.com/office/drawing/2010/main" xmlns="" w="9525">
+                <a14:hiddenLine xmlns="" xmlns:a14="http://schemas.microsoft.com/office/drawing/2010/main" w="9525">
                   <a:solidFill>
                     <a:srgbClr val="000000"/>
                   </a:solidFill>
@@ -1747,7 +1747,7 @@
             </a:ln>
             <a:extLst>
               <a:ext uri="{91240B29-F687-4f45-9708-019B960494DF}">
-                <a14:hiddenLine xmlns:a14="http://schemas.microsoft.com/office/drawing/2010/main" xmlns="" w="9525">
+                <a14:hiddenLine xmlns="" xmlns:a14="http://schemas.microsoft.com/office/drawing/2010/main" w="9525">
                   <a:solidFill>
                     <a:srgbClr val="000000"/>
                   </a:solidFill>
@@ -1837,7 +1837,7 @@
             </a:ln>
             <a:extLst>
               <a:ext uri="{91240B29-F687-4f45-9708-019B960494DF}">
-                <a14:hiddenLine xmlns:a14="http://schemas.microsoft.com/office/drawing/2010/main" xmlns="" w="9525">
+                <a14:hiddenLine xmlns="" xmlns:a14="http://schemas.microsoft.com/office/drawing/2010/main" w="9525">
                   <a:solidFill>
                     <a:srgbClr val="000000"/>
                   </a:solidFill>
@@ -1899,7 +1899,7 @@
             </a:ln>
             <a:extLst>
               <a:ext uri="{91240B29-F687-4f45-9708-019B960494DF}">
-                <a14:hiddenLine xmlns:a14="http://schemas.microsoft.com/office/drawing/2010/main" xmlns="" w="9525">
+                <a14:hiddenLine xmlns="" xmlns:a14="http://schemas.microsoft.com/office/drawing/2010/main" w="9525">
                   <a:solidFill>
                     <a:srgbClr val="000000"/>
                   </a:solidFill>
@@ -1961,7 +1961,7 @@
             </a:ln>
             <a:extLst>
               <a:ext uri="{91240B29-F687-4f45-9708-019B960494DF}">
-                <a14:hiddenLine xmlns:a14="http://schemas.microsoft.com/office/drawing/2010/main" xmlns="" w="9525">
+                <a14:hiddenLine xmlns="" xmlns:a14="http://schemas.microsoft.com/office/drawing/2010/main" w="9525">
                   <a:solidFill>
                     <a:srgbClr val="000000"/>
                   </a:solidFill>
@@ -2051,7 +2051,7 @@
             </a:ln>
             <a:extLst>
               <a:ext uri="{91240B29-F687-4f45-9708-019B960494DF}">
-                <a14:hiddenLine xmlns:a14="http://schemas.microsoft.com/office/drawing/2010/main" xmlns="" w="9525">
+                <a14:hiddenLine xmlns="" xmlns:a14="http://schemas.microsoft.com/office/drawing/2010/main" w="9525">
                   <a:solidFill>
                     <a:srgbClr val="000000"/>
                   </a:solidFill>
@@ -2141,7 +2141,7 @@
             </a:ln>
             <a:extLst>
               <a:ext uri="{91240B29-F687-4f45-9708-019B960494DF}">
-                <a14:hiddenLine xmlns:a14="http://schemas.microsoft.com/office/drawing/2010/main" xmlns="" w="9525">
+                <a14:hiddenLine xmlns="" xmlns:a14="http://schemas.microsoft.com/office/drawing/2010/main" w="9525">
                   <a:solidFill>
                     <a:srgbClr val="000000"/>
                   </a:solidFill>
@@ -2203,7 +2203,7 @@
             </a:ln>
             <a:extLst>
               <a:ext uri="{91240B29-F687-4f45-9708-019B960494DF}">
-                <a14:hiddenLine xmlns:a14="http://schemas.microsoft.com/office/drawing/2010/main" xmlns="" w="9525">
+                <a14:hiddenLine xmlns="" xmlns:a14="http://schemas.microsoft.com/office/drawing/2010/main" w="9525">
                   <a:solidFill>
                     <a:srgbClr val="000000"/>
                   </a:solidFill>
@@ -2313,7 +2313,7 @@
             </a:ln>
             <a:extLst>
               <a:ext uri="{91240B29-F687-4f45-9708-019B960494DF}">
-                <a14:hiddenLine xmlns:a14="http://schemas.microsoft.com/office/drawing/2010/main" xmlns="" w="9525">
+                <a14:hiddenLine xmlns="" xmlns:a14="http://schemas.microsoft.com/office/drawing/2010/main" w="9525">
                   <a:solidFill>
                     <a:srgbClr val="000000"/>
                   </a:solidFill>
@@ -2375,7 +2375,7 @@
             </a:ln>
             <a:extLst>
               <a:ext uri="{91240B29-F687-4f45-9708-019B960494DF}">
-                <a14:hiddenLine xmlns:a14="http://schemas.microsoft.com/office/drawing/2010/main" xmlns="" w="9525">
+                <a14:hiddenLine xmlns="" xmlns:a14="http://schemas.microsoft.com/office/drawing/2010/main" w="9525">
                   <a:solidFill>
                     <a:srgbClr val="000000"/>
                   </a:solidFill>
@@ -2465,7 +2465,7 @@
             </a:ln>
             <a:extLst>
               <a:ext uri="{91240B29-F687-4f45-9708-019B960494DF}">
-                <a14:hiddenLine xmlns:a14="http://schemas.microsoft.com/office/drawing/2010/main" xmlns="" w="9525">
+                <a14:hiddenLine xmlns="" xmlns:a14="http://schemas.microsoft.com/office/drawing/2010/main" w="9525">
                   <a:solidFill>
                     <a:srgbClr val="000000"/>
                   </a:solidFill>
@@ -2555,7 +2555,7 @@
             </a:ln>
             <a:extLst>
               <a:ext uri="{91240B29-F687-4f45-9708-019B960494DF}">
-                <a14:hiddenLine xmlns:a14="http://schemas.microsoft.com/office/drawing/2010/main" xmlns="" w="9525">
+                <a14:hiddenLine xmlns="" xmlns:a14="http://schemas.microsoft.com/office/drawing/2010/main" w="9525">
                   <a:solidFill>
                     <a:srgbClr val="000000"/>
                   </a:solidFill>
@@ -2617,7 +2617,7 @@
             </a:ln>
             <a:extLst>
               <a:ext uri="{91240B29-F687-4f45-9708-019B960494DF}">
-                <a14:hiddenLine xmlns:a14="http://schemas.microsoft.com/office/drawing/2010/main" xmlns="" w="9525">
+                <a14:hiddenLine xmlns="" xmlns:a14="http://schemas.microsoft.com/office/drawing/2010/main" w="9525">
                   <a:solidFill>
                     <a:srgbClr val="000000"/>
                   </a:solidFill>
@@ -2707,7 +2707,7 @@
             </a:ln>
             <a:extLst>
               <a:ext uri="{91240B29-F687-4f45-9708-019B960494DF}">
-                <a14:hiddenLine xmlns:a14="http://schemas.microsoft.com/office/drawing/2010/main" xmlns="" w="9525">
+                <a14:hiddenLine xmlns="" xmlns:a14="http://schemas.microsoft.com/office/drawing/2010/main" w="9525">
                   <a:solidFill>
                     <a:srgbClr val="000000"/>
                   </a:solidFill>
@@ -2797,7 +2797,7 @@
             </a:ln>
             <a:extLst>
               <a:ext uri="{91240B29-F687-4f45-9708-019B960494DF}">
-                <a14:hiddenLine xmlns:a14="http://schemas.microsoft.com/office/drawing/2010/main" xmlns="" w="9525">
+                <a14:hiddenLine xmlns="" xmlns:a14="http://schemas.microsoft.com/office/drawing/2010/main" w="9525">
                   <a:solidFill>
                     <a:srgbClr val="000000"/>
                   </a:solidFill>
@@ -2853,7 +2853,7 @@
             </a:ln>
             <a:extLst>
               <a:ext uri="{91240B29-F687-4f45-9708-019B960494DF}">
-                <a14:hiddenLine xmlns:a14="http://schemas.microsoft.com/office/drawing/2010/main" xmlns="" w="9525">
+                <a14:hiddenLine xmlns="" xmlns:a14="http://schemas.microsoft.com/office/drawing/2010/main" w="9525">
                   <a:solidFill>
                     <a:srgbClr val="000000"/>
                   </a:solidFill>
@@ -2943,7 +2943,7 @@
             </a:ln>
             <a:extLst>
               <a:ext uri="{91240B29-F687-4f45-9708-019B960494DF}">
-                <a14:hiddenLine xmlns:a14="http://schemas.microsoft.com/office/drawing/2010/main" xmlns="" w="9525">
+                <a14:hiddenLine xmlns="" xmlns:a14="http://schemas.microsoft.com/office/drawing/2010/main" w="9525">
                   <a:solidFill>
                     <a:srgbClr val="000000"/>
                   </a:solidFill>
@@ -2999,7 +2999,7 @@
             </a:ln>
             <a:extLst>
               <a:ext uri="{91240B29-F687-4f45-9708-019B960494DF}">
-                <a14:hiddenLine xmlns:a14="http://schemas.microsoft.com/office/drawing/2010/main" xmlns="" w="9525">
+                <a14:hiddenLine xmlns="" xmlns:a14="http://schemas.microsoft.com/office/drawing/2010/main" w="9525">
                   <a:solidFill>
                     <a:srgbClr val="000000"/>
                   </a:solidFill>
@@ -3089,7 +3089,7 @@
             </a:ln>
             <a:extLst>
               <a:ext uri="{91240B29-F687-4f45-9708-019B960494DF}">
-                <a14:hiddenLine xmlns:a14="http://schemas.microsoft.com/office/drawing/2010/main" xmlns="" w="9525">
+                <a14:hiddenLine xmlns="" xmlns:a14="http://schemas.microsoft.com/office/drawing/2010/main" w="9525">
                   <a:solidFill>
                     <a:srgbClr val="000000"/>
                   </a:solidFill>
@@ -3157,7 +3157,7 @@
             </a:ln>
             <a:extLst>
               <a:ext uri="{91240B29-F687-4f45-9708-019B960494DF}">
-                <a14:hiddenLine xmlns:a14="http://schemas.microsoft.com/office/drawing/2010/main" xmlns="" w="9525">
+                <a14:hiddenLine xmlns="" xmlns:a14="http://schemas.microsoft.com/office/drawing/2010/main" w="9525">
                   <a:solidFill>
                     <a:srgbClr val="000000"/>
                   </a:solidFill>
@@ -3247,7 +3247,7 @@
             </a:ln>
             <a:extLst>
               <a:ext uri="{91240B29-F687-4f45-9708-019B960494DF}">
-                <a14:hiddenLine xmlns:a14="http://schemas.microsoft.com/office/drawing/2010/main" xmlns="" w="9525">
+                <a14:hiddenLine xmlns="" xmlns:a14="http://schemas.microsoft.com/office/drawing/2010/main" w="9525">
                   <a:solidFill>
                     <a:srgbClr val="000000"/>
                   </a:solidFill>
@@ -3315,7 +3315,7 @@
             </a:ln>
             <a:extLst>
               <a:ext uri="{91240B29-F687-4f45-9708-019B960494DF}">
-                <a14:hiddenLine xmlns:a14="http://schemas.microsoft.com/office/drawing/2010/main" xmlns="" w="9525">
+                <a14:hiddenLine xmlns="" xmlns:a14="http://schemas.microsoft.com/office/drawing/2010/main" w="9525">
                   <a:solidFill>
                     <a:srgbClr val="000000"/>
                   </a:solidFill>
@@ -3405,7 +3405,7 @@
             </a:ln>
             <a:extLst>
               <a:ext uri="{91240B29-F687-4f45-9708-019B960494DF}">
-                <a14:hiddenLine xmlns:a14="http://schemas.microsoft.com/office/drawing/2010/main" xmlns="" w="9525">
+                <a14:hiddenLine xmlns="" xmlns:a14="http://schemas.microsoft.com/office/drawing/2010/main" w="9525">
                   <a:solidFill>
                     <a:srgbClr val="000000"/>
                   </a:solidFill>
@@ -3439,7 +3439,7 @@
             </a:ln>
             <a:extLst>
               <a:ext uri="{91240B29-F687-4f45-9708-019B960494DF}">
-                <a14:hiddenLine xmlns:a14="http://schemas.microsoft.com/office/drawing/2010/main" xmlns="" w="9525">
+                <a14:hiddenLine xmlns="" xmlns:a14="http://schemas.microsoft.com/office/drawing/2010/main" w="9525">
                   <a:solidFill>
                     <a:srgbClr val="000000"/>
                   </a:solidFill>
@@ -3529,7 +3529,7 @@
             </a:ln>
             <a:extLst>
               <a:ext uri="{91240B29-F687-4f45-9708-019B960494DF}">
-                <a14:hiddenLine xmlns:a14="http://schemas.microsoft.com/office/drawing/2010/main" xmlns="" w="9525">
+                <a14:hiddenLine xmlns="" xmlns:a14="http://schemas.microsoft.com/office/drawing/2010/main" w="9525">
                   <a:solidFill>
                     <a:srgbClr val="000000"/>
                   </a:solidFill>
@@ -3591,7 +3591,7 @@
             </a:ln>
             <a:extLst>
               <a:ext uri="{91240B29-F687-4f45-9708-019B960494DF}">
-                <a14:hiddenLine xmlns:a14="http://schemas.microsoft.com/office/drawing/2010/main" xmlns="" w="9525">
+                <a14:hiddenLine xmlns="" xmlns:a14="http://schemas.microsoft.com/office/drawing/2010/main" w="9525">
                   <a:solidFill>
                     <a:srgbClr val="000000"/>
                   </a:solidFill>
@@ -3653,7 +3653,7 @@
             </a:ln>
             <a:extLst>
               <a:ext uri="{91240B29-F687-4f45-9708-019B960494DF}">
-                <a14:hiddenLine xmlns:a14="http://schemas.microsoft.com/office/drawing/2010/main" xmlns="" w="9525">
+                <a14:hiddenLine xmlns="" xmlns:a14="http://schemas.microsoft.com/office/drawing/2010/main" w="9525">
                   <a:solidFill>
                     <a:srgbClr val="000000"/>
                   </a:solidFill>
@@ -3743,7 +3743,7 @@
             </a:ln>
             <a:extLst>
               <a:ext uri="{91240B29-F687-4f45-9708-019B960494DF}">
-                <a14:hiddenLine xmlns:a14="http://schemas.microsoft.com/office/drawing/2010/main" xmlns="" w="9525">
+                <a14:hiddenLine xmlns="" xmlns:a14="http://schemas.microsoft.com/office/drawing/2010/main" w="9525">
                   <a:solidFill>
                     <a:srgbClr val="000000"/>
                   </a:solidFill>
@@ -3811,7 +3811,7 @@
             </a:ln>
             <a:extLst>
               <a:ext uri="{91240B29-F687-4f45-9708-019B960494DF}">
-                <a14:hiddenLine xmlns:a14="http://schemas.microsoft.com/office/drawing/2010/main" xmlns="" w="9525">
+                <a14:hiddenLine xmlns="" xmlns:a14="http://schemas.microsoft.com/office/drawing/2010/main" w="9525">
                   <a:solidFill>
                     <a:srgbClr val="000000"/>
                   </a:solidFill>
@@ -3873,7 +3873,7 @@
             </a:ln>
             <a:extLst>
               <a:ext uri="{91240B29-F687-4f45-9708-019B960494DF}">
-                <a14:hiddenLine xmlns:a14="http://schemas.microsoft.com/office/drawing/2010/main" xmlns="" w="9525">
+                <a14:hiddenLine xmlns="" xmlns:a14="http://schemas.microsoft.com/office/drawing/2010/main" w="9525">
                   <a:solidFill>
                     <a:srgbClr val="000000"/>
                   </a:solidFill>
@@ -3963,7 +3963,7 @@
             </a:ln>
             <a:extLst>
               <a:ext uri="{91240B29-F687-4f45-9708-019B960494DF}">
-                <a14:hiddenLine xmlns:a14="http://schemas.microsoft.com/office/drawing/2010/main" xmlns="" w="9525">
+                <a14:hiddenLine xmlns="" xmlns:a14="http://schemas.microsoft.com/office/drawing/2010/main" w="9525">
                   <a:solidFill>
                     <a:srgbClr val="000000"/>
                   </a:solidFill>
@@ -4025,7 +4025,7 @@
             </a:ln>
             <a:extLst>
               <a:ext uri="{91240B29-F687-4f45-9708-019B960494DF}">
-                <a14:hiddenLine xmlns:a14="http://schemas.microsoft.com/office/drawing/2010/main" xmlns="" w="9525">
+                <a14:hiddenLine xmlns="" xmlns:a14="http://schemas.microsoft.com/office/drawing/2010/main" w="9525">
                   <a:solidFill>
                     <a:srgbClr val="000000"/>
                   </a:solidFill>
@@ -4115,7 +4115,7 @@
             </a:ln>
             <a:extLst>
               <a:ext uri="{91240B29-F687-4f45-9708-019B960494DF}">
-                <a14:hiddenLine xmlns:a14="http://schemas.microsoft.com/office/drawing/2010/main" xmlns="" w="9525">
+                <a14:hiddenLine xmlns="" xmlns:a14="http://schemas.microsoft.com/office/drawing/2010/main" w="9525">
                   <a:solidFill>
                     <a:srgbClr val="000000"/>
                   </a:solidFill>
@@ -4177,7 +4177,7 @@
             </a:ln>
             <a:extLst>
               <a:ext uri="{91240B29-F687-4f45-9708-019B960494DF}">
-                <a14:hiddenLine xmlns:a14="http://schemas.microsoft.com/office/drawing/2010/main" xmlns="" w="9525">
+                <a14:hiddenLine xmlns="" xmlns:a14="http://schemas.microsoft.com/office/drawing/2010/main" w="9525">
                   <a:solidFill>
                     <a:srgbClr val="000000"/>
                   </a:solidFill>
@@ -4267,7 +4267,7 @@
             </a:ln>
             <a:extLst>
               <a:ext uri="{91240B29-F687-4f45-9708-019B960494DF}">
-                <a14:hiddenLine xmlns:a14="http://schemas.microsoft.com/office/drawing/2010/main" xmlns="" w="9525">
+                <a14:hiddenLine xmlns="" xmlns:a14="http://schemas.microsoft.com/office/drawing/2010/main" w="9525">
                   <a:solidFill>
                     <a:srgbClr val="000000"/>
                   </a:solidFill>
@@ -4301,7 +4301,7 @@
             </a:ln>
             <a:extLst>
               <a:ext uri="{91240B29-F687-4f45-9708-019B960494DF}">
-                <a14:hiddenLine xmlns:a14="http://schemas.microsoft.com/office/drawing/2010/main" xmlns="" w="9525">
+                <a14:hiddenLine xmlns="" xmlns:a14="http://schemas.microsoft.com/office/drawing/2010/main" w="9525">
                   <a:solidFill>
                     <a:srgbClr val="000000"/>
                   </a:solidFill>
@@ -4366,7 +4366,7 @@
             </a:ln>
             <a:extLst>
               <a:ext uri="{91240B29-F687-4f45-9708-019B960494DF}">
-                <a14:hiddenLine xmlns:a14="http://schemas.microsoft.com/office/drawing/2010/main" xmlns="" w="9525">
+                <a14:hiddenLine xmlns="" xmlns:a14="http://schemas.microsoft.com/office/drawing/2010/main" w="9525">
                   <a:solidFill>
                     <a:srgbClr val="000000"/>
                   </a:solidFill>
@@ -4456,7 +4456,7 @@
             </a:ln>
             <a:extLst>
               <a:ext uri="{91240B29-F687-4f45-9708-019B960494DF}">
-                <a14:hiddenLine xmlns:a14="http://schemas.microsoft.com/office/drawing/2010/main" xmlns="" w="9525">
+                <a14:hiddenLine xmlns="" xmlns:a14="http://schemas.microsoft.com/office/drawing/2010/main" w="9525">
                   <a:solidFill>
                     <a:srgbClr val="000000"/>
                   </a:solidFill>
@@ -4518,7 +4518,7 @@
             </a:ln>
             <a:extLst>
               <a:ext uri="{91240B29-F687-4f45-9708-019B960494DF}">
-                <a14:hiddenLine xmlns:a14="http://schemas.microsoft.com/office/drawing/2010/main" xmlns="" w="9525">
+                <a14:hiddenLine xmlns="" xmlns:a14="http://schemas.microsoft.com/office/drawing/2010/main" w="9525">
                   <a:solidFill>
                     <a:srgbClr val="000000"/>
                   </a:solidFill>
@@ -4608,7 +4608,7 @@
             </a:ln>
             <a:extLst>
               <a:ext uri="{91240B29-F687-4f45-9708-019B960494DF}">
-                <a14:hiddenLine xmlns:a14="http://schemas.microsoft.com/office/drawing/2010/main" xmlns="" w="9525">
+                <a14:hiddenLine xmlns="" xmlns:a14="http://schemas.microsoft.com/office/drawing/2010/main" w="9525">
                   <a:solidFill>
                     <a:srgbClr val="000000"/>
                   </a:solidFill>
@@ -4698,7 +4698,7 @@
             </a:ln>
             <a:extLst>
               <a:ext uri="{91240B29-F687-4f45-9708-019B960494DF}">
-                <a14:hiddenLine xmlns:a14="http://schemas.microsoft.com/office/drawing/2010/main" xmlns="" w="9525">
+                <a14:hiddenLine xmlns="" xmlns:a14="http://schemas.microsoft.com/office/drawing/2010/main" w="9525">
                   <a:solidFill>
                     <a:srgbClr val="000000"/>
                   </a:solidFill>
@@ -4763,7 +4763,7 @@
             </a:ln>
             <a:extLst>
               <a:ext uri="{91240B29-F687-4f45-9708-019B960494DF}">
-                <a14:hiddenLine xmlns:a14="http://schemas.microsoft.com/office/drawing/2010/main" xmlns="" w="9525">
+                <a14:hiddenLine xmlns="" xmlns:a14="http://schemas.microsoft.com/office/drawing/2010/main" w="9525">
                   <a:solidFill>
                     <a:srgbClr val="000000"/>
                   </a:solidFill>
@@ -4825,7 +4825,7 @@
             </a:ln>
             <a:extLst>
               <a:ext uri="{91240B29-F687-4f45-9708-019B960494DF}">
-                <a14:hiddenLine xmlns:a14="http://schemas.microsoft.com/office/drawing/2010/main" xmlns="" w="9525">
+                <a14:hiddenLine xmlns="" xmlns:a14="http://schemas.microsoft.com/office/drawing/2010/main" w="9525">
                   <a:solidFill>
                     <a:srgbClr val="000000"/>
                   </a:solidFill>
@@ -4915,7 +4915,7 @@
             </a:ln>
             <a:extLst>
               <a:ext uri="{91240B29-F687-4f45-9708-019B960494DF}">
-                <a14:hiddenLine xmlns:a14="http://schemas.microsoft.com/office/drawing/2010/main" xmlns="" w="9525">
+                <a14:hiddenLine xmlns="" xmlns:a14="http://schemas.microsoft.com/office/drawing/2010/main" w="9525">
                   <a:solidFill>
                     <a:srgbClr val="000000"/>
                   </a:solidFill>
@@ -5005,7 +5005,7 @@
             </a:ln>
             <a:extLst>
               <a:ext uri="{91240B29-F687-4f45-9708-019B960494DF}">
-                <a14:hiddenLine xmlns:a14="http://schemas.microsoft.com/office/drawing/2010/main" xmlns="" w="9525">
+                <a14:hiddenLine xmlns="" xmlns:a14="http://schemas.microsoft.com/office/drawing/2010/main" w="9525">
                   <a:solidFill>
                     <a:srgbClr val="000000"/>
                   </a:solidFill>
@@ -5067,7 +5067,7 @@
             </a:ln>
             <a:extLst>
               <a:ext uri="{91240B29-F687-4f45-9708-019B960494DF}">
-                <a14:hiddenLine xmlns:a14="http://schemas.microsoft.com/office/drawing/2010/main" xmlns="" w="9525">
+                <a14:hiddenLine xmlns="" xmlns:a14="http://schemas.microsoft.com/office/drawing/2010/main" w="9525">
                   <a:solidFill>
                     <a:srgbClr val="000000"/>
                   </a:solidFill>
@@ -5187,7 +5187,7 @@
             </a:ln>
             <a:extLst>
               <a:ext uri="{91240B29-F687-4f45-9708-019B960494DF}">
-                <a14:hiddenLine xmlns:a14="http://schemas.microsoft.com/office/drawing/2010/main" xmlns="" w="9525">
+                <a14:hiddenLine xmlns="" xmlns:a14="http://schemas.microsoft.com/office/drawing/2010/main" w="9525">
                   <a:solidFill>
                     <a:srgbClr val="000000"/>
                   </a:solidFill>
@@ -5255,7 +5255,7 @@
             </a:ln>
             <a:extLst>
               <a:ext uri="{91240B29-F687-4f45-9708-019B960494DF}">
-                <a14:hiddenLine xmlns:a14="http://schemas.microsoft.com/office/drawing/2010/main" xmlns="" w="9525">
+                <a14:hiddenLine xmlns="" xmlns:a14="http://schemas.microsoft.com/office/drawing/2010/main" w="9525">
                   <a:solidFill>
                     <a:srgbClr val="000000"/>
                   </a:solidFill>
@@ -5345,7 +5345,7 @@
             </a:ln>
             <a:extLst>
               <a:ext uri="{91240B29-F687-4f45-9708-019B960494DF}">
-                <a14:hiddenLine xmlns:a14="http://schemas.microsoft.com/office/drawing/2010/main" xmlns="" w="9525">
+                <a14:hiddenLine xmlns="" xmlns:a14="http://schemas.microsoft.com/office/drawing/2010/main" w="9525">
                   <a:solidFill>
                     <a:srgbClr val="000000"/>
                   </a:solidFill>
@@ -5486,7 +5486,7 @@
             <a:fld id="{B61BEF0D-F0BB-DE4B-95CE-6DB70DBA9567}" type="datetimeFigureOut">
               <a:rPr lang="en-US" smtClean="0"/>
               <a:pPr/>
-              <a:t>11/2/2019</a:t>
+              <a:t>11/8/2019</a:t>
             </a:fld>
             <a:endParaRPr lang="en-US" dirty="0"/>
           </a:p>
@@ -5755,7 +5755,7 @@
             <a:fld id="{B61BEF0D-F0BB-DE4B-95CE-6DB70DBA9567}" type="datetimeFigureOut">
               <a:rPr lang="en-US" smtClean="0"/>
               <a:pPr/>
-              <a:t>11/2/2019</a:t>
+              <a:t>11/8/2019</a:t>
             </a:fld>
             <a:endParaRPr lang="en-US" dirty="0"/>
           </a:p>
@@ -5953,7 +5953,7 @@
             <a:fld id="{B61BEF0D-F0BB-DE4B-95CE-6DB70DBA9567}" type="datetimeFigureOut">
               <a:rPr lang="en-US" smtClean="0"/>
               <a:pPr/>
-              <a:t>11/2/2019</a:t>
+              <a:t>11/8/2019</a:t>
             </a:fld>
             <a:endParaRPr lang="en-US" dirty="0"/>
           </a:p>
@@ -6218,7 +6218,7 @@
             <a:fld id="{B61BEF0D-F0BB-DE4B-95CE-6DB70DBA9567}" type="datetimeFigureOut">
               <a:rPr lang="en-US" smtClean="0"/>
               <a:pPr/>
-              <a:t>11/2/2019</a:t>
+              <a:t>11/8/2019</a:t>
             </a:fld>
             <a:endParaRPr lang="en-US" dirty="0"/>
           </a:p>
@@ -6654,7 +6654,7 @@
             <a:fld id="{B61BEF0D-F0BB-DE4B-95CE-6DB70DBA9567}" type="datetimeFigureOut">
               <a:rPr lang="en-US" smtClean="0"/>
               <a:pPr/>
-              <a:t>11/2/2019</a:t>
+              <a:t>11/8/2019</a:t>
             </a:fld>
             <a:endParaRPr lang="en-US" dirty="0"/>
           </a:p>
@@ -7202,7 +7202,7 @@
             <a:fld id="{B61BEF0D-F0BB-DE4B-95CE-6DB70DBA9567}" type="datetimeFigureOut">
               <a:rPr lang="en-US" smtClean="0"/>
               <a:pPr/>
-              <a:t>11/2/2019</a:t>
+              <a:t>11/8/2019</a:t>
             </a:fld>
             <a:endParaRPr lang="en-US" dirty="0"/>
           </a:p>
@@ -7924,7 +7924,7 @@
             <a:fld id="{B61BEF0D-F0BB-DE4B-95CE-6DB70DBA9567}" type="datetimeFigureOut">
               <a:rPr lang="en-US" smtClean="0"/>
               <a:pPr/>
-              <a:t>11/2/2019</a:t>
+              <a:t>11/8/2019</a:t>
             </a:fld>
             <a:endParaRPr lang="en-US" dirty="0"/>
           </a:p>
@@ -8096,7 +8096,7 @@
             <a:fld id="{B61BEF0D-F0BB-DE4B-95CE-6DB70DBA9567}" type="datetimeFigureOut">
               <a:rPr lang="en-US" smtClean="0"/>
               <a:pPr/>
-              <a:t>11/2/2019</a:t>
+              <a:t>11/8/2019</a:t>
             </a:fld>
             <a:endParaRPr lang="en-US" dirty="0"/>
           </a:p>
@@ -8278,7 +8278,7 @@
             <a:fld id="{B61BEF0D-F0BB-DE4B-95CE-6DB70DBA9567}" type="datetimeFigureOut">
               <a:rPr lang="en-US" smtClean="0"/>
               <a:pPr/>
-              <a:t>11/2/2019</a:t>
+              <a:t>11/8/2019</a:t>
             </a:fld>
             <a:endParaRPr lang="en-US" dirty="0"/>
           </a:p>
@@ -8450,7 +8450,7 @@
             <a:fld id="{B61BEF0D-F0BB-DE4B-95CE-6DB70DBA9567}" type="datetimeFigureOut">
               <a:rPr lang="en-US" smtClean="0"/>
               <a:pPr/>
-              <a:t>11/2/2019</a:t>
+              <a:t>11/8/2019</a:t>
             </a:fld>
             <a:endParaRPr lang="en-US" dirty="0"/>
           </a:p>
@@ -8702,7 +8702,7 @@
             <a:fld id="{B61BEF0D-F0BB-DE4B-95CE-6DB70DBA9567}" type="datetimeFigureOut">
               <a:rPr lang="en-US" smtClean="0"/>
               <a:pPr/>
-              <a:t>11/2/2019</a:t>
+              <a:t>11/8/2019</a:t>
             </a:fld>
             <a:endParaRPr lang="en-US" dirty="0"/>
           </a:p>
@@ -8936,7 +8936,7 @@
             <a:fld id="{B61BEF0D-F0BB-DE4B-95CE-6DB70DBA9567}" type="datetimeFigureOut">
               <a:rPr lang="en-US" smtClean="0"/>
               <a:pPr/>
-              <a:t>11/2/2019</a:t>
+              <a:t>11/8/2019</a:t>
             </a:fld>
             <a:endParaRPr lang="en-US" dirty="0"/>
           </a:p>
@@ -9319,7 +9319,7 @@
             <a:fld id="{B61BEF0D-F0BB-DE4B-95CE-6DB70DBA9567}" type="datetimeFigureOut">
               <a:rPr lang="en-US" smtClean="0"/>
               <a:pPr/>
-              <a:t>11/2/2019</a:t>
+              <a:t>11/8/2019</a:t>
             </a:fld>
             <a:endParaRPr lang="en-US" dirty="0"/>
           </a:p>
@@ -9439,7 +9439,7 @@
             <a:fld id="{B61BEF0D-F0BB-DE4B-95CE-6DB70DBA9567}" type="datetimeFigureOut">
               <a:rPr lang="en-US" smtClean="0"/>
               <a:pPr/>
-              <a:t>11/2/2019</a:t>
+              <a:t>11/8/2019</a:t>
             </a:fld>
             <a:endParaRPr lang="en-US" dirty="0"/>
           </a:p>
@@ -9536,7 +9536,7 @@
             <a:fld id="{B61BEF0D-F0BB-DE4B-95CE-6DB70DBA9567}" type="datetimeFigureOut">
               <a:rPr lang="en-US" smtClean="0"/>
               <a:pPr/>
-              <a:t>11/2/2019</a:t>
+              <a:t>11/8/2019</a:t>
             </a:fld>
             <a:endParaRPr lang="en-US" dirty="0"/>
           </a:p>
@@ -9787,7 +9787,7 @@
             <a:fld id="{B61BEF0D-F0BB-DE4B-95CE-6DB70DBA9567}" type="datetimeFigureOut">
               <a:rPr lang="en-US" smtClean="0"/>
               <a:pPr/>
-              <a:t>11/2/2019</a:t>
+              <a:t>11/8/2019</a:t>
             </a:fld>
             <a:endParaRPr lang="en-US" dirty="0"/>
           </a:p>
@@ -10069,7 +10069,7 @@
             <a:fld id="{B61BEF0D-F0BB-DE4B-95CE-6DB70DBA9567}" type="datetimeFigureOut">
               <a:rPr lang="en-US" smtClean="0"/>
               <a:pPr/>
-              <a:t>11/2/2019</a:t>
+              <a:t>11/8/2019</a:t>
             </a:fld>
             <a:endParaRPr lang="en-US" dirty="0"/>
           </a:p>
@@ -10189,7 +10189,7 @@
           <a:noFill/>
           <a:extLst>
             <a:ext uri="{909E8E84-426E-40dd-AFC4-6F175D3DCCD1}">
-              <a14:hiddenFill xmlns:a14="http://schemas.microsoft.com/office/drawing/2010/main" xmlns="">
+              <a14:hiddenFill xmlns="" xmlns:a14="http://schemas.microsoft.com/office/drawing/2010/main">
                 <a:solidFill>
                   <a:srgbClr val="FFFFFF"/>
                 </a:solidFill>
@@ -10263,7 +10263,7 @@
               </a:ln>
               <a:extLst>
                 <a:ext uri="{91240B29-F687-4f45-9708-019B960494DF}">
-                  <a14:hiddenLine xmlns:a14="http://schemas.microsoft.com/office/drawing/2010/main" xmlns="" w="9525">
+                  <a14:hiddenLine xmlns="" xmlns:a14="http://schemas.microsoft.com/office/drawing/2010/main" w="9525">
                     <a:solidFill>
                       <a:srgbClr val="000000"/>
                     </a:solidFill>
@@ -10353,7 +10353,7 @@
               </a:ln>
               <a:extLst>
                 <a:ext uri="{91240B29-F687-4f45-9708-019B960494DF}">
-                  <a14:hiddenLine xmlns:a14="http://schemas.microsoft.com/office/drawing/2010/main" xmlns="" w="9525">
+                  <a14:hiddenLine xmlns="" xmlns:a14="http://schemas.microsoft.com/office/drawing/2010/main" w="9525">
                     <a:solidFill>
                       <a:srgbClr val="000000"/>
                     </a:solidFill>
@@ -10443,7 +10443,7 @@
               </a:ln>
               <a:extLst>
                 <a:ext uri="{91240B29-F687-4f45-9708-019B960494DF}">
-                  <a14:hiddenLine xmlns:a14="http://schemas.microsoft.com/office/drawing/2010/main" xmlns="" w="9525">
+                  <a14:hiddenLine xmlns="" xmlns:a14="http://schemas.microsoft.com/office/drawing/2010/main" w="9525">
                     <a:solidFill>
                       <a:srgbClr val="000000"/>
                     </a:solidFill>
@@ -10505,7 +10505,7 @@
               </a:ln>
               <a:extLst>
                 <a:ext uri="{91240B29-F687-4f45-9708-019B960494DF}">
-                  <a14:hiddenLine xmlns:a14="http://schemas.microsoft.com/office/drawing/2010/main" xmlns="" w="9525">
+                  <a14:hiddenLine xmlns="" xmlns:a14="http://schemas.microsoft.com/office/drawing/2010/main" w="9525">
                     <a:solidFill>
                       <a:srgbClr val="000000"/>
                     </a:solidFill>
@@ -10595,7 +10595,7 @@
               </a:ln>
               <a:extLst>
                 <a:ext uri="{91240B29-F687-4f45-9708-019B960494DF}">
-                  <a14:hiddenLine xmlns:a14="http://schemas.microsoft.com/office/drawing/2010/main" xmlns="" w="9525">
+                  <a14:hiddenLine xmlns="" xmlns:a14="http://schemas.microsoft.com/office/drawing/2010/main" w="9525">
                     <a:solidFill>
                       <a:srgbClr val="000000"/>
                     </a:solidFill>
@@ -10657,7 +10657,7 @@
               </a:ln>
               <a:extLst>
                 <a:ext uri="{91240B29-F687-4f45-9708-019B960494DF}">
-                  <a14:hiddenLine xmlns:a14="http://schemas.microsoft.com/office/drawing/2010/main" xmlns="" w="9525">
+                  <a14:hiddenLine xmlns="" xmlns:a14="http://schemas.microsoft.com/office/drawing/2010/main" w="9525">
                     <a:solidFill>
                       <a:srgbClr val="000000"/>
                     </a:solidFill>
@@ -10719,7 +10719,7 @@
               </a:ln>
               <a:extLst>
                 <a:ext uri="{91240B29-F687-4f45-9708-019B960494DF}">
-                  <a14:hiddenLine xmlns:a14="http://schemas.microsoft.com/office/drawing/2010/main" xmlns="" w="9525">
+                  <a14:hiddenLine xmlns="" xmlns:a14="http://schemas.microsoft.com/office/drawing/2010/main" w="9525">
                     <a:solidFill>
                       <a:srgbClr val="000000"/>
                     </a:solidFill>
@@ -10809,7 +10809,7 @@
               </a:ln>
               <a:extLst>
                 <a:ext uri="{91240B29-F687-4f45-9708-019B960494DF}">
-                  <a14:hiddenLine xmlns:a14="http://schemas.microsoft.com/office/drawing/2010/main" xmlns="" w="9525">
+                  <a14:hiddenLine xmlns="" xmlns:a14="http://schemas.microsoft.com/office/drawing/2010/main" w="9525">
                     <a:solidFill>
                       <a:srgbClr val="000000"/>
                     </a:solidFill>
@@ -10899,7 +10899,7 @@
               </a:ln>
               <a:extLst>
                 <a:ext uri="{91240B29-F687-4f45-9708-019B960494DF}">
-                  <a14:hiddenLine xmlns:a14="http://schemas.microsoft.com/office/drawing/2010/main" xmlns="" w="9525">
+                  <a14:hiddenLine xmlns="" xmlns:a14="http://schemas.microsoft.com/office/drawing/2010/main" w="9525">
                     <a:solidFill>
                       <a:srgbClr val="000000"/>
                     </a:solidFill>
@@ -10961,7 +10961,7 @@
               </a:ln>
               <a:extLst>
                 <a:ext uri="{91240B29-F687-4f45-9708-019B960494DF}">
-                  <a14:hiddenLine xmlns:a14="http://schemas.microsoft.com/office/drawing/2010/main" xmlns="" w="9525">
+                  <a14:hiddenLine xmlns="" xmlns:a14="http://schemas.microsoft.com/office/drawing/2010/main" w="9525">
                     <a:solidFill>
                       <a:srgbClr val="000000"/>
                     </a:solidFill>
@@ -11071,7 +11071,7 @@
               </a:ln>
               <a:extLst>
                 <a:ext uri="{91240B29-F687-4f45-9708-019B960494DF}">
-                  <a14:hiddenLine xmlns:a14="http://schemas.microsoft.com/office/drawing/2010/main" xmlns="" w="9525">
+                  <a14:hiddenLine xmlns="" xmlns:a14="http://schemas.microsoft.com/office/drawing/2010/main" w="9525">
                     <a:solidFill>
                       <a:srgbClr val="000000"/>
                     </a:solidFill>
@@ -11155,7 +11155,7 @@
               </a:ln>
               <a:extLst>
                 <a:ext uri="{91240B29-F687-4f45-9708-019B960494DF}">
-                  <a14:hiddenLine xmlns:a14="http://schemas.microsoft.com/office/drawing/2010/main" xmlns="" w="9525">
+                  <a14:hiddenLine xmlns="" xmlns:a14="http://schemas.microsoft.com/office/drawing/2010/main" w="9525">
                     <a:solidFill>
                       <a:srgbClr val="000000"/>
                     </a:solidFill>
@@ -11217,7 +11217,7 @@
               </a:ln>
               <a:extLst>
                 <a:ext uri="{91240B29-F687-4f45-9708-019B960494DF}">
-                  <a14:hiddenLine xmlns:a14="http://schemas.microsoft.com/office/drawing/2010/main" xmlns="" w="9525">
+                  <a14:hiddenLine xmlns="" xmlns:a14="http://schemas.microsoft.com/office/drawing/2010/main" w="9525">
                     <a:solidFill>
                       <a:srgbClr val="000000"/>
                     </a:solidFill>
@@ -11279,7 +11279,7 @@
               </a:ln>
               <a:extLst>
                 <a:ext uri="{91240B29-F687-4f45-9708-019B960494DF}">
-                  <a14:hiddenLine xmlns:a14="http://schemas.microsoft.com/office/drawing/2010/main" xmlns="" w="9525">
+                  <a14:hiddenLine xmlns="" xmlns:a14="http://schemas.microsoft.com/office/drawing/2010/main" w="9525">
                     <a:solidFill>
                       <a:srgbClr val="000000"/>
                     </a:solidFill>
@@ -11369,7 +11369,7 @@
               </a:ln>
               <a:extLst>
                 <a:ext uri="{91240B29-F687-4f45-9708-019B960494DF}">
-                  <a14:hiddenLine xmlns:a14="http://schemas.microsoft.com/office/drawing/2010/main" xmlns="" w="9525">
+                  <a14:hiddenLine xmlns="" xmlns:a14="http://schemas.microsoft.com/office/drawing/2010/main" w="9525">
                     <a:solidFill>
                       <a:srgbClr val="000000"/>
                     </a:solidFill>
@@ -11403,7 +11403,7 @@
               </a:ln>
               <a:extLst>
                 <a:ext uri="{91240B29-F687-4f45-9708-019B960494DF}">
-                  <a14:hiddenLine xmlns:a14="http://schemas.microsoft.com/office/drawing/2010/main" xmlns="" w="9525">
+                  <a14:hiddenLine xmlns="" xmlns:a14="http://schemas.microsoft.com/office/drawing/2010/main" w="9525">
                     <a:solidFill>
                       <a:srgbClr val="000000"/>
                     </a:solidFill>
@@ -11468,7 +11468,7 @@
               </a:ln>
               <a:extLst>
                 <a:ext uri="{91240B29-F687-4f45-9708-019B960494DF}">
-                  <a14:hiddenLine xmlns:a14="http://schemas.microsoft.com/office/drawing/2010/main" xmlns="" w="9525">
+                  <a14:hiddenLine xmlns="" xmlns:a14="http://schemas.microsoft.com/office/drawing/2010/main" w="9525">
                     <a:solidFill>
                       <a:srgbClr val="000000"/>
                     </a:solidFill>
@@ -11558,7 +11558,7 @@
               </a:ln>
               <a:extLst>
                 <a:ext uri="{91240B29-F687-4f45-9708-019B960494DF}">
-                  <a14:hiddenLine xmlns:a14="http://schemas.microsoft.com/office/drawing/2010/main" xmlns="" w="9525">
+                  <a14:hiddenLine xmlns="" xmlns:a14="http://schemas.microsoft.com/office/drawing/2010/main" w="9525">
                     <a:solidFill>
                       <a:srgbClr val="000000"/>
                     </a:solidFill>
@@ -11620,7 +11620,7 @@
               </a:ln>
               <a:extLst>
                 <a:ext uri="{91240B29-F687-4f45-9708-019B960494DF}">
-                  <a14:hiddenLine xmlns:a14="http://schemas.microsoft.com/office/drawing/2010/main" xmlns="" w="9525">
+                  <a14:hiddenLine xmlns="" xmlns:a14="http://schemas.microsoft.com/office/drawing/2010/main" w="9525">
                     <a:solidFill>
                       <a:srgbClr val="000000"/>
                     </a:solidFill>
@@ -11710,7 +11710,7 @@
               </a:ln>
               <a:extLst>
                 <a:ext uri="{91240B29-F687-4f45-9708-019B960494DF}">
-                  <a14:hiddenLine xmlns:a14="http://schemas.microsoft.com/office/drawing/2010/main" xmlns="" w="9525">
+                  <a14:hiddenLine xmlns="" xmlns:a14="http://schemas.microsoft.com/office/drawing/2010/main" w="9525">
                     <a:solidFill>
                       <a:srgbClr val="000000"/>
                     </a:solidFill>
@@ -11775,7 +11775,7 @@
               </a:ln>
               <a:extLst>
                 <a:ext uri="{91240B29-F687-4f45-9708-019B960494DF}">
-                  <a14:hiddenLine xmlns:a14="http://schemas.microsoft.com/office/drawing/2010/main" xmlns="" w="9525">
+                  <a14:hiddenLine xmlns="" xmlns:a14="http://schemas.microsoft.com/office/drawing/2010/main" w="9525">
                     <a:solidFill>
                       <a:srgbClr val="000000"/>
                     </a:solidFill>
@@ -11837,7 +11837,7 @@
               </a:ln>
               <a:extLst>
                 <a:ext uri="{91240B29-F687-4f45-9708-019B960494DF}">
-                  <a14:hiddenLine xmlns:a14="http://schemas.microsoft.com/office/drawing/2010/main" xmlns="" w="9525">
+                  <a14:hiddenLine xmlns="" xmlns:a14="http://schemas.microsoft.com/office/drawing/2010/main" w="9525">
                     <a:solidFill>
                       <a:srgbClr val="000000"/>
                     </a:solidFill>
@@ -11927,7 +11927,7 @@
               </a:ln>
               <a:extLst>
                 <a:ext uri="{91240B29-F687-4f45-9708-019B960494DF}">
-                  <a14:hiddenLine xmlns:a14="http://schemas.microsoft.com/office/drawing/2010/main" xmlns="" w="9525">
+                  <a14:hiddenLine xmlns="" xmlns:a14="http://schemas.microsoft.com/office/drawing/2010/main" w="9525">
                     <a:solidFill>
                       <a:srgbClr val="000000"/>
                     </a:solidFill>
@@ -12017,7 +12017,7 @@
               </a:ln>
               <a:extLst>
                 <a:ext uri="{91240B29-F687-4f45-9708-019B960494DF}">
-                  <a14:hiddenLine xmlns:a14="http://schemas.microsoft.com/office/drawing/2010/main" xmlns="" w="9525">
+                  <a14:hiddenLine xmlns="" xmlns:a14="http://schemas.microsoft.com/office/drawing/2010/main" w="9525">
                     <a:solidFill>
                       <a:srgbClr val="000000"/>
                     </a:solidFill>
@@ -12082,7 +12082,7 @@
               </a:ln>
               <a:extLst>
                 <a:ext uri="{91240B29-F687-4f45-9708-019B960494DF}">
-                  <a14:hiddenLine xmlns:a14="http://schemas.microsoft.com/office/drawing/2010/main" xmlns="" w="9525">
+                  <a14:hiddenLine xmlns="" xmlns:a14="http://schemas.microsoft.com/office/drawing/2010/main" w="9525">
                     <a:solidFill>
                       <a:srgbClr val="000000"/>
                     </a:solidFill>
@@ -12202,7 +12202,7 @@
               </a:ln>
               <a:extLst>
                 <a:ext uri="{91240B29-F687-4f45-9708-019B960494DF}">
-                  <a14:hiddenLine xmlns:a14="http://schemas.microsoft.com/office/drawing/2010/main" xmlns="" w="9525">
+                  <a14:hiddenLine xmlns="" xmlns:a14="http://schemas.microsoft.com/office/drawing/2010/main" w="9525">
                     <a:solidFill>
                       <a:srgbClr val="000000"/>
                     </a:solidFill>
@@ -12300,7 +12300,7 @@
               </a:ln>
               <a:extLst>
                 <a:ext uri="{91240B29-F687-4f45-9708-019B960494DF}">
-                  <a14:hiddenLine xmlns:a14="http://schemas.microsoft.com/office/drawing/2010/main" xmlns="" w="9525">
+                  <a14:hiddenLine xmlns="" xmlns:a14="http://schemas.microsoft.com/office/drawing/2010/main" w="9525">
                     <a:solidFill>
                       <a:srgbClr val="000000"/>
                     </a:solidFill>
@@ -12415,7 +12415,7 @@
               </a:ln>
               <a:extLst>
                 <a:ext uri="{91240B29-F687-4f45-9708-019B960494DF}">
-                  <a14:hiddenLine xmlns:a14="http://schemas.microsoft.com/office/drawing/2010/main" xmlns="" w="9525">
+                  <a14:hiddenLine xmlns="" xmlns:a14="http://schemas.microsoft.com/office/drawing/2010/main" w="9525">
                     <a:solidFill>
                       <a:srgbClr val="000000"/>
                     </a:solidFill>
@@ -12505,7 +12505,7 @@
               </a:ln>
               <a:extLst>
                 <a:ext uri="{91240B29-F687-4f45-9708-019B960494DF}">
-                  <a14:hiddenLine xmlns:a14="http://schemas.microsoft.com/office/drawing/2010/main" xmlns="" w="9525">
+                  <a14:hiddenLine xmlns="" xmlns:a14="http://schemas.microsoft.com/office/drawing/2010/main" w="9525">
                     <a:solidFill>
                       <a:srgbClr val="000000"/>
                     </a:solidFill>
@@ -12570,7 +12570,7 @@
               </a:ln>
               <a:extLst>
                 <a:ext uri="{91240B29-F687-4f45-9708-019B960494DF}">
-                  <a14:hiddenLine xmlns:a14="http://schemas.microsoft.com/office/drawing/2010/main" xmlns="" w="9525">
+                  <a14:hiddenLine xmlns="" xmlns:a14="http://schemas.microsoft.com/office/drawing/2010/main" w="9525">
                     <a:solidFill>
                       <a:srgbClr val="000000"/>
                     </a:solidFill>
@@ -12660,7 +12660,7 @@
               </a:ln>
               <a:extLst>
                 <a:ext uri="{91240B29-F687-4f45-9708-019B960494DF}">
-                  <a14:hiddenLine xmlns:a14="http://schemas.microsoft.com/office/drawing/2010/main" xmlns="" w="9525">
+                  <a14:hiddenLine xmlns="" xmlns:a14="http://schemas.microsoft.com/office/drawing/2010/main" w="9525">
                     <a:solidFill>
                       <a:srgbClr val="000000"/>
                     </a:solidFill>
@@ -12728,7 +12728,7 @@
               </a:ln>
               <a:extLst>
                 <a:ext uri="{91240B29-F687-4f45-9708-019B960494DF}">
-                  <a14:hiddenLine xmlns:a14="http://schemas.microsoft.com/office/drawing/2010/main" xmlns="" w="9525">
+                  <a14:hiddenLine xmlns="" xmlns:a14="http://schemas.microsoft.com/office/drawing/2010/main" w="9525">
                     <a:solidFill>
                       <a:srgbClr val="000000"/>
                     </a:solidFill>
@@ -12818,7 +12818,7 @@
               </a:ln>
               <a:extLst>
                 <a:ext uri="{91240B29-F687-4f45-9708-019B960494DF}">
-                  <a14:hiddenLine xmlns:a14="http://schemas.microsoft.com/office/drawing/2010/main" xmlns="" w="9525">
+                  <a14:hiddenLine xmlns="" xmlns:a14="http://schemas.microsoft.com/office/drawing/2010/main" w="9525">
                     <a:solidFill>
                       <a:srgbClr val="000000"/>
                     </a:solidFill>
@@ -12886,7 +12886,7 @@
               </a:ln>
               <a:extLst>
                 <a:ext uri="{91240B29-F687-4f45-9708-019B960494DF}">
-                  <a14:hiddenLine xmlns:a14="http://schemas.microsoft.com/office/drawing/2010/main" xmlns="" w="9525">
+                  <a14:hiddenLine xmlns="" xmlns:a14="http://schemas.microsoft.com/office/drawing/2010/main" w="9525">
                     <a:solidFill>
                       <a:srgbClr val="000000"/>
                     </a:solidFill>
@@ -12976,7 +12976,7 @@
               </a:ln>
               <a:extLst>
                 <a:ext uri="{91240B29-F687-4f45-9708-019B960494DF}">
-                  <a14:hiddenLine xmlns:a14="http://schemas.microsoft.com/office/drawing/2010/main" xmlns="" w="9525">
+                  <a14:hiddenLine xmlns="" xmlns:a14="http://schemas.microsoft.com/office/drawing/2010/main" w="9525">
                     <a:solidFill>
                       <a:srgbClr val="000000"/>
                     </a:solidFill>
@@ -13010,7 +13010,7 @@
               </a:ln>
               <a:extLst>
                 <a:ext uri="{91240B29-F687-4f45-9708-019B960494DF}">
-                  <a14:hiddenLine xmlns:a14="http://schemas.microsoft.com/office/drawing/2010/main" xmlns="" w="9525">
+                  <a14:hiddenLine xmlns="" xmlns:a14="http://schemas.microsoft.com/office/drawing/2010/main" w="9525">
                     <a:solidFill>
                       <a:srgbClr val="000000"/>
                     </a:solidFill>
@@ -13151,7 +13151,7 @@
             <a:fld id="{B61BEF0D-F0BB-DE4B-95CE-6DB70DBA9567}" type="datetimeFigureOut">
               <a:rPr lang="en-US" smtClean="0"/>
               <a:pPr/>
-              <a:t>11/2/2019</a:t>
+              <a:t>11/8/2019</a:t>
             </a:fld>
             <a:endParaRPr lang="en-US" dirty="0"/>
           </a:p>
@@ -14431,7 +14431,7 @@
         </p:nvSpPr>
         <p:spPr>
           <a:xfrm>
-            <a:off x="6997956" y="874455"/>
+            <a:off x="7025949" y="874455"/>
             <a:ext cx="3415004" cy="369332"/>
           </a:xfrm>
           <a:prstGeom prst="rect">
@@ -14451,7 +14451,7 @@
                   <a:schemeClr val="bg1"/>
                 </a:solidFill>
               </a:rPr>
-              <a:t>Random Forest Regressor Prediction</a:t>
+              <a:t>Exponential Smoothing Prediction</a:t>
             </a:r>
           </a:p>
         </p:txBody>
@@ -14470,8 +14470,8 @@
         </p:nvSpPr>
         <p:spPr>
           <a:xfrm>
-            <a:off x="1902021" y="874455"/>
-            <a:ext cx="3267138" cy="369332"/>
+            <a:off x="1614190" y="874455"/>
+            <a:ext cx="3415004" cy="369332"/>
           </a:xfrm>
           <a:prstGeom prst="rect">
             <a:avLst/>
@@ -14490,7 +14490,7 @@
                   <a:schemeClr val="bg1"/>
                 </a:solidFill>
               </a:rPr>
-              <a:t>Exponential Smoothing Prediction</a:t>
+              <a:t>Random Forest Regressor Prediction</a:t>
             </a:r>
           </a:p>
         </p:txBody>
